--- a/Session_2_Md/slides/PostmanTesting.pptx
+++ b/Session_2_Md/slides/PostmanTesting.pptx
@@ -222,7 +222,7 @@
           <a:p>
             <a:fld id="{FFACFE39-41DB-4070-AC54-9F967E1B60A9}" type="datetimeFigureOut">
               <a:rPr lang="en-US" smtClean="0"/>
-              <a:t>1/9/2020</a:t>
+              <a:t>1/16/2020</a:t>
             </a:fld>
             <a:endParaRPr lang="en-US"/>
           </a:p>
@@ -731,7 +731,7 @@
           <a:p>
             <a:fld id="{CFD25776-3190-4D29-BE18-D16538DCB40C}" type="datetimeFigureOut">
               <a:rPr lang="en-US" smtClean="0"/>
-              <a:t>1/9/2020</a:t>
+              <a:t>1/16/2020</a:t>
             </a:fld>
             <a:endParaRPr lang="en-US"/>
           </a:p>
@@ -929,7 +929,7 @@
           <a:p>
             <a:fld id="{CFD25776-3190-4D29-BE18-D16538DCB40C}" type="datetimeFigureOut">
               <a:rPr lang="en-US" smtClean="0"/>
-              <a:t>1/9/2020</a:t>
+              <a:t>1/16/2020</a:t>
             </a:fld>
             <a:endParaRPr lang="en-US"/>
           </a:p>
@@ -1137,7 +1137,7 @@
           <a:p>
             <a:fld id="{CFD25776-3190-4D29-BE18-D16538DCB40C}" type="datetimeFigureOut">
               <a:rPr lang="en-US" smtClean="0"/>
-              <a:t>1/9/2020</a:t>
+              <a:t>1/16/2020</a:t>
             </a:fld>
             <a:endParaRPr lang="en-US"/>
           </a:p>
@@ -1335,7 +1335,7 @@
           <a:p>
             <a:fld id="{CFD25776-3190-4D29-BE18-D16538DCB40C}" type="datetimeFigureOut">
               <a:rPr lang="en-US" smtClean="0"/>
-              <a:t>1/9/2020</a:t>
+              <a:t>1/16/2020</a:t>
             </a:fld>
             <a:endParaRPr lang="en-US"/>
           </a:p>
@@ -1610,7 +1610,7 @@
           <a:p>
             <a:fld id="{CFD25776-3190-4D29-BE18-D16538DCB40C}" type="datetimeFigureOut">
               <a:rPr lang="en-US" smtClean="0"/>
-              <a:t>1/9/2020</a:t>
+              <a:t>1/16/2020</a:t>
             </a:fld>
             <a:endParaRPr lang="en-US"/>
           </a:p>
@@ -1875,7 +1875,7 @@
           <a:p>
             <a:fld id="{CFD25776-3190-4D29-BE18-D16538DCB40C}" type="datetimeFigureOut">
               <a:rPr lang="en-US" smtClean="0"/>
-              <a:t>1/9/2020</a:t>
+              <a:t>1/16/2020</a:t>
             </a:fld>
             <a:endParaRPr lang="en-US"/>
           </a:p>
@@ -2287,7 +2287,7 @@
           <a:p>
             <a:fld id="{CFD25776-3190-4D29-BE18-D16538DCB40C}" type="datetimeFigureOut">
               <a:rPr lang="en-US" smtClean="0"/>
-              <a:t>1/9/2020</a:t>
+              <a:t>1/16/2020</a:t>
             </a:fld>
             <a:endParaRPr lang="en-US"/>
           </a:p>
@@ -2428,7 +2428,7 @@
           <a:p>
             <a:fld id="{CFD25776-3190-4D29-BE18-D16538DCB40C}" type="datetimeFigureOut">
               <a:rPr lang="en-US" smtClean="0"/>
-              <a:t>1/9/2020</a:t>
+              <a:t>1/16/2020</a:t>
             </a:fld>
             <a:endParaRPr lang="en-US"/>
           </a:p>
@@ -2541,7 +2541,7 @@
           <a:p>
             <a:fld id="{CFD25776-3190-4D29-BE18-D16538DCB40C}" type="datetimeFigureOut">
               <a:rPr lang="en-US" smtClean="0"/>
-              <a:t>1/9/2020</a:t>
+              <a:t>1/16/2020</a:t>
             </a:fld>
             <a:endParaRPr lang="en-US"/>
           </a:p>
@@ -2852,7 +2852,7 @@
           <a:p>
             <a:fld id="{CFD25776-3190-4D29-BE18-D16538DCB40C}" type="datetimeFigureOut">
               <a:rPr lang="en-US" smtClean="0"/>
-              <a:t>1/9/2020</a:t>
+              <a:t>1/16/2020</a:t>
             </a:fld>
             <a:endParaRPr lang="en-US"/>
           </a:p>
@@ -3140,7 +3140,7 @@
           <a:p>
             <a:fld id="{CFD25776-3190-4D29-BE18-D16538DCB40C}" type="datetimeFigureOut">
               <a:rPr lang="en-US" smtClean="0"/>
-              <a:t>1/9/2020</a:t>
+              <a:t>1/16/2020</a:t>
             </a:fld>
             <a:endParaRPr lang="en-US"/>
           </a:p>
@@ -3381,7 +3381,7 @@
           <a:p>
             <a:fld id="{CFD25776-3190-4D29-BE18-D16538DCB40C}" type="datetimeFigureOut">
               <a:rPr lang="en-US" smtClean="0"/>
-              <a:t>1/9/2020</a:t>
+              <a:t>1/16/2020</a:t>
             </a:fld>
             <a:endParaRPr lang="en-US"/>
           </a:p>
@@ -3819,7 +3819,10 @@
           <a:bodyPr/>
           <a:lstStyle/>
           <a:p>
-            <a:endParaRPr lang="en-US"/>
+            <a:r>
+              <a:rPr lang="en-US" dirty="0"/>
+              <a:t>Postman</a:t>
+            </a:r>
           </a:p>
         </p:txBody>
       </p:sp>
@@ -9084,6 +9087,12 @@
 </file>
 
 <file path=customXml/item1.xml><?xml version="1.0" encoding="utf-8"?>
+<p:properties xmlns:p="http://schemas.microsoft.com/office/2006/metadata/properties" xmlns:xsi="http://www.w3.org/2001/XMLSchema-instance" xmlns:pc="http://schemas.microsoft.com/office/infopath/2007/PartnerControls">
+  <documentManagement/>
+</p:properties>
+</file>
+
+<file path=customXml/item2.xml><?xml version="1.0" encoding="utf-8"?>
 <ct:contentTypeSchema xmlns:ct="http://schemas.microsoft.com/office/2006/metadata/contentType" xmlns:ma="http://schemas.microsoft.com/office/2006/metadata/properties/metaAttributes" ct:_="" ma:_="" ma:contentTypeName="Document" ma:contentTypeID="0x0101008F738829EB3C3F488455C79CB49B6C1F" ma:contentTypeVersion="12" ma:contentTypeDescription="Create a new document." ma:contentTypeScope="" ma:versionID="ee70c061c0429685c7030f5a27e75236">
   <xsd:schema xmlns:xsd="http://www.w3.org/2001/XMLSchema" xmlns:xs="http://www.w3.org/2001/XMLSchema" xmlns:p="http://schemas.microsoft.com/office/2006/metadata/properties" xmlns:ns3="7ecfb54a-8c27-4f3b-b518-8d0f909e9ba0" xmlns:ns4="fc5f9651-9d8a-4e65-9519-7985c0626113" targetNamespace="http://schemas.microsoft.com/office/2006/metadata/properties" ma:root="true" ma:fieldsID="0378379dd839a5dc2060b502703a859b" ns3:_="" ns4:_="">
     <xsd:import namespace="7ecfb54a-8c27-4f3b-b518-8d0f909e9ba0"/>
@@ -9300,12 +9309,6 @@
 </ct:contentTypeSchema>
 </file>
 
-<file path=customXml/item2.xml><?xml version="1.0" encoding="utf-8"?>
-<p:properties xmlns:p="http://schemas.microsoft.com/office/2006/metadata/properties" xmlns:xsi="http://www.w3.org/2001/XMLSchema-instance" xmlns:pc="http://schemas.microsoft.com/office/infopath/2007/PartnerControls">
-  <documentManagement/>
-</p:properties>
-</file>
-
 <file path=customXml/item3.xml><?xml version="1.0" encoding="utf-8"?>
 <?mso-contentType ?>
 <FormTemplates xmlns="http://schemas.microsoft.com/sharepoint/v3/contenttype/forms">
@@ -9316,6 +9319,23 @@
 </file>
 
 <file path=customXml/itemProps1.xml><?xml version="1.0" encoding="utf-8"?>
+<ds:datastoreItem xmlns:ds="http://schemas.openxmlformats.org/officeDocument/2006/customXml" ds:itemID="{C3EF0EE4-0853-4A08-B441-05E79C806EA2}">
+  <ds:schemaRefs>
+    <ds:schemaRef ds:uri="http://schemas.microsoft.com/office/2006/documentManagement/types"/>
+    <ds:schemaRef ds:uri="http://schemas.openxmlformats.org/package/2006/metadata/core-properties"/>
+    <ds:schemaRef ds:uri="http://schemas.microsoft.com/office/infopath/2007/PartnerControls"/>
+    <ds:schemaRef ds:uri="http://www.w3.org/XML/1998/namespace"/>
+    <ds:schemaRef ds:uri="http://purl.org/dc/dcmitype/"/>
+    <ds:schemaRef ds:uri="http://schemas.microsoft.com/office/2006/metadata/properties"/>
+    <ds:schemaRef ds:uri="7ecfb54a-8c27-4f3b-b518-8d0f909e9ba0"/>
+    <ds:schemaRef ds:uri="http://purl.org/dc/elements/1.1/"/>
+    <ds:schemaRef ds:uri="fc5f9651-9d8a-4e65-9519-7985c0626113"/>
+    <ds:schemaRef ds:uri="http://purl.org/dc/terms/"/>
+  </ds:schemaRefs>
+</ds:datastoreItem>
+</file>
+
+<file path=customXml/itemProps2.xml><?xml version="1.0" encoding="utf-8"?>
 <ds:datastoreItem xmlns:ds="http://schemas.openxmlformats.org/officeDocument/2006/customXml" ds:itemID="{621EBC7F-F6B1-4FFB-853B-F8E4046A3D1A}">
   <ds:schemaRefs>
     <ds:schemaRef ds:uri="http://schemas.microsoft.com/office/2006/metadata/contentType"/>
@@ -9334,23 +9354,6 @@
 </ds:datastoreItem>
 </file>
 
-<file path=customXml/itemProps2.xml><?xml version="1.0" encoding="utf-8"?>
-<ds:datastoreItem xmlns:ds="http://schemas.openxmlformats.org/officeDocument/2006/customXml" ds:itemID="{C3EF0EE4-0853-4A08-B441-05E79C806EA2}">
-  <ds:schemaRefs>
-    <ds:schemaRef ds:uri="http://schemas.microsoft.com/office/2006/documentManagement/types"/>
-    <ds:schemaRef ds:uri="http://schemas.openxmlformats.org/package/2006/metadata/core-properties"/>
-    <ds:schemaRef ds:uri="http://schemas.microsoft.com/office/infopath/2007/PartnerControls"/>
-    <ds:schemaRef ds:uri="http://www.w3.org/XML/1998/namespace"/>
-    <ds:schemaRef ds:uri="http://purl.org/dc/dcmitype/"/>
-    <ds:schemaRef ds:uri="http://schemas.microsoft.com/office/2006/metadata/properties"/>
-    <ds:schemaRef ds:uri="7ecfb54a-8c27-4f3b-b518-8d0f909e9ba0"/>
-    <ds:schemaRef ds:uri="http://purl.org/dc/elements/1.1/"/>
-    <ds:schemaRef ds:uri="fc5f9651-9d8a-4e65-9519-7985c0626113"/>
-    <ds:schemaRef ds:uri="http://purl.org/dc/terms/"/>
-  </ds:schemaRefs>
-</ds:datastoreItem>
-</file>
-
 <file path=customXml/itemProps3.xml><?xml version="1.0" encoding="utf-8"?>
 <ds:datastoreItem xmlns:ds="http://schemas.openxmlformats.org/officeDocument/2006/customXml" ds:itemID="{65DBAB6F-CDC5-4F88-9B03-38F825D2A5E2}">
   <ds:schemaRefs>
